--- a/doc/presentation.pptx
+++ b/doc/presentation.pptx
@@ -223,7 +223,7 @@
           <a:p>
             <a:fld id="{FB0DD723-0EE9-4F5A-9809-011A94163006}" type="datetimeFigureOut">
               <a:rPr lang="ru-RU" smtClean="0"/>
-              <a:t>04.09.2023</a:t>
+              <a:t>07.09.2023</a:t>
             </a:fld>
             <a:endParaRPr lang="ru-RU"/>
           </a:p>
@@ -401,7 +401,7 @@
           <a:p>
             <a:fld id="{9D6CB85A-9F4C-467C-BBC1-4148B3820FEE}" type="datetimeFigureOut">
               <a:rPr lang="ru-RU" smtClean="0"/>
-              <a:t>04.09.2023</a:t>
+              <a:t>07.09.2023</a:t>
             </a:fld>
             <a:endParaRPr lang="ru-RU"/>
           </a:p>
@@ -1482,7 +1482,7 @@
           <a:noFill/>
           <a:extLst>
             <a:ext uri="{909E8E84-426E-40dd-AFC4-6F175D3DCCD1}">
-              <a14:hiddenFill xmlns:a14="http://schemas.microsoft.com/office/drawing/2010/main" xmlns="">
+              <a14:hiddenFill xmlns="" xmlns:a14="http://schemas.microsoft.com/office/drawing/2010/main">
                 <a:solidFill>
                   <a:srgbClr val="FFFFFF"/>
                 </a:solidFill>
@@ -1541,7 +1541,7 @@
             </a:ln>
             <a:extLst>
               <a:ext uri="{91240B29-F687-4f45-9708-019B960494DF}">
-                <a14:hiddenLine xmlns:a14="http://schemas.microsoft.com/office/drawing/2010/main" xmlns="" w="9525">
+                <a14:hiddenLine xmlns="" xmlns:a14="http://schemas.microsoft.com/office/drawing/2010/main" w="9525">
                   <a:solidFill>
                     <a:srgbClr val="000000"/>
                   </a:solidFill>
@@ -1631,7 +1631,7 @@
             </a:ln>
             <a:extLst>
               <a:ext uri="{91240B29-F687-4f45-9708-019B960494DF}">
-                <a14:hiddenLine xmlns:a14="http://schemas.microsoft.com/office/drawing/2010/main" xmlns="" w="9525">
+                <a14:hiddenLine xmlns="" xmlns:a14="http://schemas.microsoft.com/office/drawing/2010/main" w="9525">
                   <a:solidFill>
                     <a:srgbClr val="000000"/>
                   </a:solidFill>
@@ -1721,7 +1721,7 @@
             </a:ln>
             <a:extLst>
               <a:ext uri="{91240B29-F687-4f45-9708-019B960494DF}">
-                <a14:hiddenLine xmlns:a14="http://schemas.microsoft.com/office/drawing/2010/main" xmlns="" w="9525">
+                <a14:hiddenLine xmlns="" xmlns:a14="http://schemas.microsoft.com/office/drawing/2010/main" w="9525">
                   <a:solidFill>
                     <a:srgbClr val="000000"/>
                   </a:solidFill>
@@ -1755,7 +1755,7 @@
             </a:ln>
             <a:extLst>
               <a:ext uri="{91240B29-F687-4f45-9708-019B960494DF}">
-                <a14:hiddenLine xmlns:a14="http://schemas.microsoft.com/office/drawing/2010/main" xmlns="" w="9525">
+                <a14:hiddenLine xmlns="" xmlns:a14="http://schemas.microsoft.com/office/drawing/2010/main" w="9525">
                   <a:solidFill>
                     <a:srgbClr val="000000"/>
                   </a:solidFill>
@@ -1845,7 +1845,7 @@
             </a:ln>
             <a:extLst>
               <a:ext uri="{91240B29-F687-4f45-9708-019B960494DF}">
-                <a14:hiddenLine xmlns:a14="http://schemas.microsoft.com/office/drawing/2010/main" xmlns="" w="9525">
+                <a14:hiddenLine xmlns="" xmlns:a14="http://schemas.microsoft.com/office/drawing/2010/main" w="9525">
                   <a:solidFill>
                     <a:srgbClr val="000000"/>
                   </a:solidFill>
@@ -1907,7 +1907,7 @@
             </a:ln>
             <a:extLst>
               <a:ext uri="{91240B29-F687-4f45-9708-019B960494DF}">
-                <a14:hiddenLine xmlns:a14="http://schemas.microsoft.com/office/drawing/2010/main" xmlns="" w="9525">
+                <a14:hiddenLine xmlns="" xmlns:a14="http://schemas.microsoft.com/office/drawing/2010/main" w="9525">
                   <a:solidFill>
                     <a:srgbClr val="000000"/>
                   </a:solidFill>
@@ -1969,7 +1969,7 @@
             </a:ln>
             <a:extLst>
               <a:ext uri="{91240B29-F687-4f45-9708-019B960494DF}">
-                <a14:hiddenLine xmlns:a14="http://schemas.microsoft.com/office/drawing/2010/main" xmlns="" w="9525">
+                <a14:hiddenLine xmlns="" xmlns:a14="http://schemas.microsoft.com/office/drawing/2010/main" w="9525">
                   <a:solidFill>
                     <a:srgbClr val="000000"/>
                   </a:solidFill>
@@ -2059,7 +2059,7 @@
             </a:ln>
             <a:extLst>
               <a:ext uri="{91240B29-F687-4f45-9708-019B960494DF}">
-                <a14:hiddenLine xmlns:a14="http://schemas.microsoft.com/office/drawing/2010/main" xmlns="" w="9525">
+                <a14:hiddenLine xmlns="" xmlns:a14="http://schemas.microsoft.com/office/drawing/2010/main" w="9525">
                   <a:solidFill>
                     <a:srgbClr val="000000"/>
                   </a:solidFill>
@@ -2121,7 +2121,7 @@
             </a:ln>
             <a:extLst>
               <a:ext uri="{91240B29-F687-4f45-9708-019B960494DF}">
-                <a14:hiddenLine xmlns:a14="http://schemas.microsoft.com/office/drawing/2010/main" xmlns="" w="9525">
+                <a14:hiddenLine xmlns="" xmlns:a14="http://schemas.microsoft.com/office/drawing/2010/main" w="9525">
                   <a:solidFill>
                     <a:srgbClr val="000000"/>
                   </a:solidFill>
@@ -2183,7 +2183,7 @@
             </a:ln>
             <a:extLst>
               <a:ext uri="{91240B29-F687-4f45-9708-019B960494DF}">
-                <a14:hiddenLine xmlns:a14="http://schemas.microsoft.com/office/drawing/2010/main" xmlns="" w="9525">
+                <a14:hiddenLine xmlns="" xmlns:a14="http://schemas.microsoft.com/office/drawing/2010/main" w="9525">
                   <a:solidFill>
                     <a:srgbClr val="000000"/>
                   </a:solidFill>
@@ -2273,7 +2273,7 @@
             </a:ln>
             <a:extLst>
               <a:ext uri="{91240B29-F687-4f45-9708-019B960494DF}">
-                <a14:hiddenLine xmlns:a14="http://schemas.microsoft.com/office/drawing/2010/main" xmlns="" w="9525">
+                <a14:hiddenLine xmlns="" xmlns:a14="http://schemas.microsoft.com/office/drawing/2010/main" w="9525">
                   <a:solidFill>
                     <a:srgbClr val="000000"/>
                   </a:solidFill>
@@ -2363,7 +2363,7 @@
             </a:ln>
             <a:extLst>
               <a:ext uri="{91240B29-F687-4f45-9708-019B960494DF}">
-                <a14:hiddenLine xmlns:a14="http://schemas.microsoft.com/office/drawing/2010/main" xmlns="" w="9525">
+                <a14:hiddenLine xmlns="" xmlns:a14="http://schemas.microsoft.com/office/drawing/2010/main" w="9525">
                   <a:solidFill>
                     <a:srgbClr val="000000"/>
                   </a:solidFill>
@@ -2425,7 +2425,7 @@
             </a:ln>
             <a:extLst>
               <a:ext uri="{91240B29-F687-4f45-9708-019B960494DF}">
-                <a14:hiddenLine xmlns:a14="http://schemas.microsoft.com/office/drawing/2010/main" xmlns="" w="9525">
+                <a14:hiddenLine xmlns="" xmlns:a14="http://schemas.microsoft.com/office/drawing/2010/main" w="9525">
                   <a:solidFill>
                     <a:srgbClr val="000000"/>
                   </a:solidFill>
@@ -2535,7 +2535,7 @@
             </a:ln>
             <a:extLst>
               <a:ext uri="{91240B29-F687-4f45-9708-019B960494DF}">
-                <a14:hiddenLine xmlns:a14="http://schemas.microsoft.com/office/drawing/2010/main" xmlns="" w="9525">
+                <a14:hiddenLine xmlns="" xmlns:a14="http://schemas.microsoft.com/office/drawing/2010/main" w="9525">
                   <a:solidFill>
                     <a:srgbClr val="000000"/>
                   </a:solidFill>
@@ -2597,7 +2597,7 @@
             </a:ln>
             <a:extLst>
               <a:ext uri="{91240B29-F687-4f45-9708-019B960494DF}">
-                <a14:hiddenLine xmlns:a14="http://schemas.microsoft.com/office/drawing/2010/main" xmlns="" w="9525">
+                <a14:hiddenLine xmlns="" xmlns:a14="http://schemas.microsoft.com/office/drawing/2010/main" w="9525">
                   <a:solidFill>
                     <a:srgbClr val="000000"/>
                   </a:solidFill>
@@ -2687,7 +2687,7 @@
             </a:ln>
             <a:extLst>
               <a:ext uri="{91240B29-F687-4f45-9708-019B960494DF}">
-                <a14:hiddenLine xmlns:a14="http://schemas.microsoft.com/office/drawing/2010/main" xmlns="" w="9525">
+                <a14:hiddenLine xmlns="" xmlns:a14="http://schemas.microsoft.com/office/drawing/2010/main" w="9525">
                   <a:solidFill>
                     <a:srgbClr val="000000"/>
                   </a:solidFill>
@@ -2777,7 +2777,7 @@
             </a:ln>
             <a:extLst>
               <a:ext uri="{91240B29-F687-4f45-9708-019B960494DF}">
-                <a14:hiddenLine xmlns:a14="http://schemas.microsoft.com/office/drawing/2010/main" xmlns="" w="9525">
+                <a14:hiddenLine xmlns="" xmlns:a14="http://schemas.microsoft.com/office/drawing/2010/main" w="9525">
                   <a:solidFill>
                     <a:srgbClr val="000000"/>
                   </a:solidFill>
@@ -2839,7 +2839,7 @@
             </a:ln>
             <a:extLst>
               <a:ext uri="{91240B29-F687-4f45-9708-019B960494DF}">
-                <a14:hiddenLine xmlns:a14="http://schemas.microsoft.com/office/drawing/2010/main" xmlns="" w="9525">
+                <a14:hiddenLine xmlns="" xmlns:a14="http://schemas.microsoft.com/office/drawing/2010/main" w="9525">
                   <a:solidFill>
                     <a:srgbClr val="000000"/>
                   </a:solidFill>
@@ -2929,7 +2929,7 @@
             </a:ln>
             <a:extLst>
               <a:ext uri="{91240B29-F687-4f45-9708-019B960494DF}">
-                <a14:hiddenLine xmlns:a14="http://schemas.microsoft.com/office/drawing/2010/main" xmlns="" w="9525">
+                <a14:hiddenLine xmlns="" xmlns:a14="http://schemas.microsoft.com/office/drawing/2010/main" w="9525">
                   <a:solidFill>
                     <a:srgbClr val="000000"/>
                   </a:solidFill>
@@ -3019,7 +3019,7 @@
             </a:ln>
             <a:extLst>
               <a:ext uri="{91240B29-F687-4f45-9708-019B960494DF}">
-                <a14:hiddenLine xmlns:a14="http://schemas.microsoft.com/office/drawing/2010/main" xmlns="" w="9525">
+                <a14:hiddenLine xmlns="" xmlns:a14="http://schemas.microsoft.com/office/drawing/2010/main" w="9525">
                   <a:solidFill>
                     <a:srgbClr val="000000"/>
                   </a:solidFill>
@@ -3075,7 +3075,7 @@
             </a:ln>
             <a:extLst>
               <a:ext uri="{91240B29-F687-4f45-9708-019B960494DF}">
-                <a14:hiddenLine xmlns:a14="http://schemas.microsoft.com/office/drawing/2010/main" xmlns="" w="9525">
+                <a14:hiddenLine xmlns="" xmlns:a14="http://schemas.microsoft.com/office/drawing/2010/main" w="9525">
                   <a:solidFill>
                     <a:srgbClr val="000000"/>
                   </a:solidFill>
@@ -3165,7 +3165,7 @@
             </a:ln>
             <a:extLst>
               <a:ext uri="{91240B29-F687-4f45-9708-019B960494DF}">
-                <a14:hiddenLine xmlns:a14="http://schemas.microsoft.com/office/drawing/2010/main" xmlns="" w="9525">
+                <a14:hiddenLine xmlns="" xmlns:a14="http://schemas.microsoft.com/office/drawing/2010/main" w="9525">
                   <a:solidFill>
                     <a:srgbClr val="000000"/>
                   </a:solidFill>
@@ -3221,7 +3221,7 @@
             </a:ln>
             <a:extLst>
               <a:ext uri="{91240B29-F687-4f45-9708-019B960494DF}">
-                <a14:hiddenLine xmlns:a14="http://schemas.microsoft.com/office/drawing/2010/main" xmlns="" w="9525">
+                <a14:hiddenLine xmlns="" xmlns:a14="http://schemas.microsoft.com/office/drawing/2010/main" w="9525">
                   <a:solidFill>
                     <a:srgbClr val="000000"/>
                   </a:solidFill>
@@ -3311,7 +3311,7 @@
             </a:ln>
             <a:extLst>
               <a:ext uri="{91240B29-F687-4f45-9708-019B960494DF}">
-                <a14:hiddenLine xmlns:a14="http://schemas.microsoft.com/office/drawing/2010/main" xmlns="" w="9525">
+                <a14:hiddenLine xmlns="" xmlns:a14="http://schemas.microsoft.com/office/drawing/2010/main" w="9525">
                   <a:solidFill>
                     <a:srgbClr val="000000"/>
                   </a:solidFill>
@@ -3379,7 +3379,7 @@
             </a:ln>
             <a:extLst>
               <a:ext uri="{91240B29-F687-4f45-9708-019B960494DF}">
-                <a14:hiddenLine xmlns:a14="http://schemas.microsoft.com/office/drawing/2010/main" xmlns="" w="9525">
+                <a14:hiddenLine xmlns="" xmlns:a14="http://schemas.microsoft.com/office/drawing/2010/main" w="9525">
                   <a:solidFill>
                     <a:srgbClr val="000000"/>
                   </a:solidFill>
@@ -3469,7 +3469,7 @@
             </a:ln>
             <a:extLst>
               <a:ext uri="{91240B29-F687-4f45-9708-019B960494DF}">
-                <a14:hiddenLine xmlns:a14="http://schemas.microsoft.com/office/drawing/2010/main" xmlns="" w="9525">
+                <a14:hiddenLine xmlns="" xmlns:a14="http://schemas.microsoft.com/office/drawing/2010/main" w="9525">
                   <a:solidFill>
                     <a:srgbClr val="000000"/>
                   </a:solidFill>
@@ -3537,7 +3537,7 @@
             </a:ln>
             <a:extLst>
               <a:ext uri="{91240B29-F687-4f45-9708-019B960494DF}">
-                <a14:hiddenLine xmlns:a14="http://schemas.microsoft.com/office/drawing/2010/main" xmlns="" w="9525">
+                <a14:hiddenLine xmlns="" xmlns:a14="http://schemas.microsoft.com/office/drawing/2010/main" w="9525">
                   <a:solidFill>
                     <a:srgbClr val="000000"/>
                   </a:solidFill>
@@ -3627,7 +3627,7 @@
             </a:ln>
             <a:extLst>
               <a:ext uri="{91240B29-F687-4f45-9708-019B960494DF}">
-                <a14:hiddenLine xmlns:a14="http://schemas.microsoft.com/office/drawing/2010/main" xmlns="" w="9525">
+                <a14:hiddenLine xmlns="" xmlns:a14="http://schemas.microsoft.com/office/drawing/2010/main" w="9525">
                   <a:solidFill>
                     <a:srgbClr val="000000"/>
                   </a:solidFill>
@@ -3661,7 +3661,7 @@
             </a:ln>
             <a:extLst>
               <a:ext uri="{91240B29-F687-4f45-9708-019B960494DF}">
-                <a14:hiddenLine xmlns:a14="http://schemas.microsoft.com/office/drawing/2010/main" xmlns="" w="9525">
+                <a14:hiddenLine xmlns="" xmlns:a14="http://schemas.microsoft.com/office/drawing/2010/main" w="9525">
                   <a:solidFill>
                     <a:srgbClr val="000000"/>
                   </a:solidFill>
@@ -3751,7 +3751,7 @@
             </a:ln>
             <a:extLst>
               <a:ext uri="{91240B29-F687-4f45-9708-019B960494DF}">
-                <a14:hiddenLine xmlns:a14="http://schemas.microsoft.com/office/drawing/2010/main" xmlns="" w="9525">
+                <a14:hiddenLine xmlns="" xmlns:a14="http://schemas.microsoft.com/office/drawing/2010/main" w="9525">
                   <a:solidFill>
                     <a:srgbClr val="000000"/>
                   </a:solidFill>
@@ -3813,7 +3813,7 @@
             </a:ln>
             <a:extLst>
               <a:ext uri="{91240B29-F687-4f45-9708-019B960494DF}">
-                <a14:hiddenLine xmlns:a14="http://schemas.microsoft.com/office/drawing/2010/main" xmlns="" w="9525">
+                <a14:hiddenLine xmlns="" xmlns:a14="http://schemas.microsoft.com/office/drawing/2010/main" w="9525">
                   <a:solidFill>
                     <a:srgbClr val="000000"/>
                   </a:solidFill>
@@ -3875,7 +3875,7 @@
             </a:ln>
             <a:extLst>
               <a:ext uri="{91240B29-F687-4f45-9708-019B960494DF}">
-                <a14:hiddenLine xmlns:a14="http://schemas.microsoft.com/office/drawing/2010/main" xmlns="" w="9525">
+                <a14:hiddenLine xmlns="" xmlns:a14="http://schemas.microsoft.com/office/drawing/2010/main" w="9525">
                   <a:solidFill>
                     <a:srgbClr val="000000"/>
                   </a:solidFill>
@@ -3965,7 +3965,7 @@
             </a:ln>
             <a:extLst>
               <a:ext uri="{91240B29-F687-4f45-9708-019B960494DF}">
-                <a14:hiddenLine xmlns:a14="http://schemas.microsoft.com/office/drawing/2010/main" xmlns="" w="9525">
+                <a14:hiddenLine xmlns="" xmlns:a14="http://schemas.microsoft.com/office/drawing/2010/main" w="9525">
                   <a:solidFill>
                     <a:srgbClr val="000000"/>
                   </a:solidFill>
@@ -4033,7 +4033,7 @@
             </a:ln>
             <a:extLst>
               <a:ext uri="{91240B29-F687-4f45-9708-019B960494DF}">
-                <a14:hiddenLine xmlns:a14="http://schemas.microsoft.com/office/drawing/2010/main" xmlns="" w="9525">
+                <a14:hiddenLine xmlns="" xmlns:a14="http://schemas.microsoft.com/office/drawing/2010/main" w="9525">
                   <a:solidFill>
                     <a:srgbClr val="000000"/>
                   </a:solidFill>
@@ -4095,7 +4095,7 @@
             </a:ln>
             <a:extLst>
               <a:ext uri="{91240B29-F687-4f45-9708-019B960494DF}">
-                <a14:hiddenLine xmlns:a14="http://schemas.microsoft.com/office/drawing/2010/main" xmlns="" w="9525">
+                <a14:hiddenLine xmlns="" xmlns:a14="http://schemas.microsoft.com/office/drawing/2010/main" w="9525">
                   <a:solidFill>
                     <a:srgbClr val="000000"/>
                   </a:solidFill>
@@ -4185,7 +4185,7 @@
             </a:ln>
             <a:extLst>
               <a:ext uri="{91240B29-F687-4f45-9708-019B960494DF}">
-                <a14:hiddenLine xmlns:a14="http://schemas.microsoft.com/office/drawing/2010/main" xmlns="" w="9525">
+                <a14:hiddenLine xmlns="" xmlns:a14="http://schemas.microsoft.com/office/drawing/2010/main" w="9525">
                   <a:solidFill>
                     <a:srgbClr val="000000"/>
                   </a:solidFill>
@@ -4247,7 +4247,7 @@
             </a:ln>
             <a:extLst>
               <a:ext uri="{91240B29-F687-4f45-9708-019B960494DF}">
-                <a14:hiddenLine xmlns:a14="http://schemas.microsoft.com/office/drawing/2010/main" xmlns="" w="9525">
+                <a14:hiddenLine xmlns="" xmlns:a14="http://schemas.microsoft.com/office/drawing/2010/main" w="9525">
                   <a:solidFill>
                     <a:srgbClr val="000000"/>
                   </a:solidFill>
@@ -4337,7 +4337,7 @@
             </a:ln>
             <a:extLst>
               <a:ext uri="{91240B29-F687-4f45-9708-019B960494DF}">
-                <a14:hiddenLine xmlns:a14="http://schemas.microsoft.com/office/drawing/2010/main" xmlns="" w="9525">
+                <a14:hiddenLine xmlns="" xmlns:a14="http://schemas.microsoft.com/office/drawing/2010/main" w="9525">
                   <a:solidFill>
                     <a:srgbClr val="000000"/>
                   </a:solidFill>
@@ -4399,7 +4399,7 @@
             </a:ln>
             <a:extLst>
               <a:ext uri="{91240B29-F687-4f45-9708-019B960494DF}">
-                <a14:hiddenLine xmlns:a14="http://schemas.microsoft.com/office/drawing/2010/main" xmlns="" w="9525">
+                <a14:hiddenLine xmlns="" xmlns:a14="http://schemas.microsoft.com/office/drawing/2010/main" w="9525">
                   <a:solidFill>
                     <a:srgbClr val="000000"/>
                   </a:solidFill>
@@ -4489,7 +4489,7 @@
             </a:ln>
             <a:extLst>
               <a:ext uri="{91240B29-F687-4f45-9708-019B960494DF}">
-                <a14:hiddenLine xmlns:a14="http://schemas.microsoft.com/office/drawing/2010/main" xmlns="" w="9525">
+                <a14:hiddenLine xmlns="" xmlns:a14="http://schemas.microsoft.com/office/drawing/2010/main" w="9525">
                   <a:solidFill>
                     <a:srgbClr val="000000"/>
                   </a:solidFill>
@@ -4523,7 +4523,7 @@
             </a:ln>
             <a:extLst>
               <a:ext uri="{91240B29-F687-4f45-9708-019B960494DF}">
-                <a14:hiddenLine xmlns:a14="http://schemas.microsoft.com/office/drawing/2010/main" xmlns="" w="9525">
+                <a14:hiddenLine xmlns="" xmlns:a14="http://schemas.microsoft.com/office/drawing/2010/main" w="9525">
                   <a:solidFill>
                     <a:srgbClr val="000000"/>
                   </a:solidFill>
@@ -4588,7 +4588,7 @@
             </a:ln>
             <a:extLst>
               <a:ext uri="{91240B29-F687-4f45-9708-019B960494DF}">
-                <a14:hiddenLine xmlns:a14="http://schemas.microsoft.com/office/drawing/2010/main" xmlns="" w="9525">
+                <a14:hiddenLine xmlns="" xmlns:a14="http://schemas.microsoft.com/office/drawing/2010/main" w="9525">
                   <a:solidFill>
                     <a:srgbClr val="000000"/>
                   </a:solidFill>
@@ -4678,7 +4678,7 @@
             </a:ln>
             <a:extLst>
               <a:ext uri="{91240B29-F687-4f45-9708-019B960494DF}">
-                <a14:hiddenLine xmlns:a14="http://schemas.microsoft.com/office/drawing/2010/main" xmlns="" w="9525">
+                <a14:hiddenLine xmlns="" xmlns:a14="http://schemas.microsoft.com/office/drawing/2010/main" w="9525">
                   <a:solidFill>
                     <a:srgbClr val="000000"/>
                   </a:solidFill>
@@ -4740,7 +4740,7 @@
             </a:ln>
             <a:extLst>
               <a:ext uri="{91240B29-F687-4f45-9708-019B960494DF}">
-                <a14:hiddenLine xmlns:a14="http://schemas.microsoft.com/office/drawing/2010/main" xmlns="" w="9525">
+                <a14:hiddenLine xmlns="" xmlns:a14="http://schemas.microsoft.com/office/drawing/2010/main" w="9525">
                   <a:solidFill>
                     <a:srgbClr val="000000"/>
                   </a:solidFill>
@@ -4830,7 +4830,7 @@
             </a:ln>
             <a:extLst>
               <a:ext uri="{91240B29-F687-4f45-9708-019B960494DF}">
-                <a14:hiddenLine xmlns:a14="http://schemas.microsoft.com/office/drawing/2010/main" xmlns="" w="9525">
+                <a14:hiddenLine xmlns="" xmlns:a14="http://schemas.microsoft.com/office/drawing/2010/main" w="9525">
                   <a:solidFill>
                     <a:srgbClr val="000000"/>
                   </a:solidFill>
@@ -4920,7 +4920,7 @@
             </a:ln>
             <a:extLst>
               <a:ext uri="{91240B29-F687-4f45-9708-019B960494DF}">
-                <a14:hiddenLine xmlns:a14="http://schemas.microsoft.com/office/drawing/2010/main" xmlns="" w="9525">
+                <a14:hiddenLine xmlns="" xmlns:a14="http://schemas.microsoft.com/office/drawing/2010/main" w="9525">
                   <a:solidFill>
                     <a:srgbClr val="000000"/>
                   </a:solidFill>
@@ -4985,7 +4985,7 @@
             </a:ln>
             <a:extLst>
               <a:ext uri="{91240B29-F687-4f45-9708-019B960494DF}">
-                <a14:hiddenLine xmlns:a14="http://schemas.microsoft.com/office/drawing/2010/main" xmlns="" w="9525">
+                <a14:hiddenLine xmlns="" xmlns:a14="http://schemas.microsoft.com/office/drawing/2010/main" w="9525">
                   <a:solidFill>
                     <a:srgbClr val="000000"/>
                   </a:solidFill>
@@ -5047,7 +5047,7 @@
             </a:ln>
             <a:extLst>
               <a:ext uri="{91240B29-F687-4f45-9708-019B960494DF}">
-                <a14:hiddenLine xmlns:a14="http://schemas.microsoft.com/office/drawing/2010/main" xmlns="" w="9525">
+                <a14:hiddenLine xmlns="" xmlns:a14="http://schemas.microsoft.com/office/drawing/2010/main" w="9525">
                   <a:solidFill>
                     <a:srgbClr val="000000"/>
                   </a:solidFill>
@@ -5137,7 +5137,7 @@
             </a:ln>
             <a:extLst>
               <a:ext uri="{91240B29-F687-4f45-9708-019B960494DF}">
-                <a14:hiddenLine xmlns:a14="http://schemas.microsoft.com/office/drawing/2010/main" xmlns="" w="9525">
+                <a14:hiddenLine xmlns="" xmlns:a14="http://schemas.microsoft.com/office/drawing/2010/main" w="9525">
                   <a:solidFill>
                     <a:srgbClr val="000000"/>
                   </a:solidFill>
@@ -5227,7 +5227,7 @@
             </a:ln>
             <a:extLst>
               <a:ext uri="{91240B29-F687-4f45-9708-019B960494DF}">
-                <a14:hiddenLine xmlns:a14="http://schemas.microsoft.com/office/drawing/2010/main" xmlns="" w="9525">
+                <a14:hiddenLine xmlns="" xmlns:a14="http://schemas.microsoft.com/office/drawing/2010/main" w="9525">
                   <a:solidFill>
                     <a:srgbClr val="000000"/>
                   </a:solidFill>
@@ -5289,7 +5289,7 @@
             </a:ln>
             <a:extLst>
               <a:ext uri="{91240B29-F687-4f45-9708-019B960494DF}">
-                <a14:hiddenLine xmlns:a14="http://schemas.microsoft.com/office/drawing/2010/main" xmlns="" w="9525">
+                <a14:hiddenLine xmlns="" xmlns:a14="http://schemas.microsoft.com/office/drawing/2010/main" w="9525">
                   <a:solidFill>
                     <a:srgbClr val="000000"/>
                   </a:solidFill>
@@ -5409,7 +5409,7 @@
             </a:ln>
             <a:extLst>
               <a:ext uri="{91240B29-F687-4f45-9708-019B960494DF}">
-                <a14:hiddenLine xmlns:a14="http://schemas.microsoft.com/office/drawing/2010/main" xmlns="" w="9525">
+                <a14:hiddenLine xmlns="" xmlns:a14="http://schemas.microsoft.com/office/drawing/2010/main" w="9525">
                   <a:solidFill>
                     <a:srgbClr val="000000"/>
                   </a:solidFill>
@@ -5477,7 +5477,7 @@
             </a:ln>
             <a:extLst>
               <a:ext uri="{91240B29-F687-4f45-9708-019B960494DF}">
-                <a14:hiddenLine xmlns:a14="http://schemas.microsoft.com/office/drawing/2010/main" xmlns="" w="9525">
+                <a14:hiddenLine xmlns="" xmlns:a14="http://schemas.microsoft.com/office/drawing/2010/main" w="9525">
                   <a:solidFill>
                     <a:srgbClr val="000000"/>
                   </a:solidFill>
@@ -5567,7 +5567,7 @@
             </a:ln>
             <a:extLst>
               <a:ext uri="{91240B29-F687-4f45-9708-019B960494DF}">
-                <a14:hiddenLine xmlns:a14="http://schemas.microsoft.com/office/drawing/2010/main" xmlns="" w="9525">
+                <a14:hiddenLine xmlns="" xmlns:a14="http://schemas.microsoft.com/office/drawing/2010/main" w="9525">
                   <a:solidFill>
                     <a:srgbClr val="000000"/>
                   </a:solidFill>
@@ -5708,7 +5708,7 @@
             <a:pPr rtl="0"/>
             <a:fld id="{F93CC216-A18A-438E-8EF6-39B4E0F83FD3}" type="datetime1">
               <a:rPr lang="ru-RU" noProof="0" smtClean="0"/>
-              <a:t>04.09.2023</a:t>
+              <a:t>07.09.2023</a:t>
             </a:fld>
             <a:endParaRPr lang="ru-RU" noProof="0"/>
           </a:p>
@@ -5977,7 +5977,7 @@
             <a:pPr rtl="0"/>
             <a:fld id="{083EE243-A3CC-484C-99B4-56A66441661B}" type="datetime1">
               <a:rPr lang="ru-RU" noProof="0" smtClean="0"/>
-              <a:t>04.09.2023</a:t>
+              <a:t>07.09.2023</a:t>
             </a:fld>
             <a:endParaRPr lang="ru-RU" noProof="0"/>
           </a:p>
@@ -6176,7 +6176,7 @@
             <a:pPr rtl="0"/>
             <a:fld id="{DB7BA4EB-60FA-41F8-85FB-056D2A6FFB9A}" type="datetime1">
               <a:rPr lang="ru-RU" noProof="0" smtClean="0"/>
-              <a:t>04.09.2023</a:t>
+              <a:t>07.09.2023</a:t>
             </a:fld>
             <a:endParaRPr lang="ru-RU" noProof="0"/>
           </a:p>
@@ -6442,7 +6442,7 @@
             <a:pPr rtl="0"/>
             <a:fld id="{F2AE1041-C137-4F5D-9250-D0191CFF8B80}" type="datetime1">
               <a:rPr lang="ru-RU" noProof="0" smtClean="0"/>
-              <a:t>04.09.2023</a:t>
+              <a:t>07.09.2023</a:t>
             </a:fld>
             <a:endParaRPr lang="ru-RU" noProof="0"/>
           </a:p>
@@ -6879,7 +6879,7 @@
             <a:pPr rtl="0"/>
             <a:fld id="{52403AD2-C287-45A3-8E92-BAB32C31951E}" type="datetime1">
               <a:rPr lang="ru-RU" noProof="0" smtClean="0"/>
-              <a:t>04.09.2023</a:t>
+              <a:t>07.09.2023</a:t>
             </a:fld>
             <a:endParaRPr lang="ru-RU" noProof="0"/>
           </a:p>
@@ -7428,7 +7428,7 @@
             <a:pPr rtl="0"/>
             <a:fld id="{E127804A-14BC-4473-AB42-FC19B8BD3EA6}" type="datetime1">
               <a:rPr lang="ru-RU" noProof="0" smtClean="0"/>
-              <a:t>04.09.2023</a:t>
+              <a:t>07.09.2023</a:t>
             </a:fld>
             <a:endParaRPr lang="ru-RU" noProof="0"/>
           </a:p>
@@ -8148,7 +8148,7 @@
             <a:pPr rtl="0"/>
             <a:fld id="{B72F7F72-644B-4DD8-B0D7-0D6BFCDEA7D4}" type="datetime1">
               <a:rPr lang="ru-RU" noProof="0" smtClean="0"/>
-              <a:t>04.09.2023</a:t>
+              <a:t>07.09.2023</a:t>
             </a:fld>
             <a:endParaRPr lang="ru-RU" noProof="0"/>
           </a:p>
@@ -8320,7 +8320,7 @@
             <a:pPr rtl="0"/>
             <a:fld id="{A268D65D-DFBA-4D95-AC3A-FE389EC12A6A}" type="datetime1">
               <a:rPr lang="ru-RU" noProof="0" smtClean="0"/>
-              <a:t>04.09.2023</a:t>
+              <a:t>07.09.2023</a:t>
             </a:fld>
             <a:endParaRPr lang="ru-RU" noProof="0"/>
           </a:p>
@@ -8502,7 +8502,7 @@
             <a:pPr rtl="0"/>
             <a:fld id="{723F20EF-3479-4786-8FAD-EC9DB99F18C6}" type="datetime1">
               <a:rPr lang="ru-RU" noProof="0" smtClean="0"/>
-              <a:t>04.09.2023</a:t>
+              <a:t>07.09.2023</a:t>
             </a:fld>
             <a:endParaRPr lang="ru-RU" noProof="0"/>
           </a:p>
@@ -8674,7 +8674,7 @@
             <a:pPr rtl="0"/>
             <a:fld id="{128AF8F4-EEAC-48FC-BD7A-6D09179D6FDF}" type="datetime1">
               <a:rPr lang="ru-RU" noProof="0" smtClean="0"/>
-              <a:t>04.09.2023</a:t>
+              <a:t>07.09.2023</a:t>
             </a:fld>
             <a:endParaRPr lang="ru-RU" noProof="0"/>
           </a:p>
@@ -8927,7 +8927,7 @@
             <a:pPr rtl="0"/>
             <a:fld id="{21559DE8-968F-4A00-8FD7-283C487F6584}" type="datetime1">
               <a:rPr lang="ru-RU" noProof="0" smtClean="0"/>
-              <a:t>04.09.2023</a:t>
+              <a:t>07.09.2023</a:t>
             </a:fld>
             <a:endParaRPr lang="ru-RU" noProof="0"/>
           </a:p>
@@ -9160,7 +9160,7 @@
             <a:pPr rtl="0"/>
             <a:fld id="{036B677C-A60A-4360-BE42-8997690B3F2F}" type="datetime1">
               <a:rPr lang="ru-RU" noProof="0" smtClean="0"/>
-              <a:t>04.09.2023</a:t>
+              <a:t>07.09.2023</a:t>
             </a:fld>
             <a:endParaRPr lang="ru-RU" noProof="0"/>
           </a:p>
@@ -9542,7 +9542,7 @@
             <a:pPr rtl="0"/>
             <a:fld id="{E9794EFB-DEF6-4B80-A8B7-4E4D4E37AAB4}" type="datetime1">
               <a:rPr lang="ru-RU" noProof="0" smtClean="0"/>
-              <a:t>04.09.2023</a:t>
+              <a:t>07.09.2023</a:t>
             </a:fld>
             <a:endParaRPr lang="ru-RU" noProof="0"/>
           </a:p>
@@ -9663,7 +9663,7 @@
             <a:pPr rtl="0"/>
             <a:fld id="{479F6FD7-52B3-41D3-8591-A9953FD26929}" type="datetime1">
               <a:rPr lang="ru-RU" noProof="0" smtClean="0"/>
-              <a:t>04.09.2023</a:t>
+              <a:t>07.09.2023</a:t>
             </a:fld>
             <a:endParaRPr lang="ru-RU" noProof="0"/>
           </a:p>
@@ -9761,7 +9761,7 @@
             <a:pPr rtl="0"/>
             <a:fld id="{481F4ED1-97C9-4FA0-9AAA-87D40621B20E}" type="datetime1">
               <a:rPr lang="ru-RU" noProof="0" smtClean="0"/>
-              <a:t>04.09.2023</a:t>
+              <a:t>07.09.2023</a:t>
             </a:fld>
             <a:endParaRPr lang="ru-RU" noProof="0"/>
           </a:p>
@@ -10012,7 +10012,7 @@
             <a:pPr rtl="0"/>
             <a:fld id="{104BAF63-103A-4E0E-A5E9-9774B4D78592}" type="datetime1">
               <a:rPr lang="ru-RU" noProof="0" smtClean="0"/>
-              <a:t>04.09.2023</a:t>
+              <a:t>07.09.2023</a:t>
             </a:fld>
             <a:endParaRPr lang="ru-RU" noProof="0"/>
           </a:p>
@@ -10295,7 +10295,7 @@
             <a:pPr rtl="0"/>
             <a:fld id="{ADEEDF88-D9FC-468B-8F4F-FCB6D7F43658}" type="datetime1">
               <a:rPr lang="ru-RU" noProof="0" smtClean="0"/>
-              <a:t>04.09.2023</a:t>
+              <a:t>07.09.2023</a:t>
             </a:fld>
             <a:endParaRPr lang="ru-RU" noProof="0"/>
           </a:p>
@@ -10420,7 +10420,7 @@
           <a:noFill/>
           <a:extLst>
             <a:ext uri="{909E8E84-426E-40dd-AFC4-6F175D3DCCD1}">
-              <a14:hiddenFill xmlns:a14="http://schemas.microsoft.com/office/drawing/2010/main" xmlns="">
+              <a14:hiddenFill xmlns="" xmlns:a14="http://schemas.microsoft.com/office/drawing/2010/main">
                 <a:solidFill>
                   <a:srgbClr val="FFFFFF"/>
                 </a:solidFill>
@@ -10494,7 +10494,7 @@
               </a:ln>
               <a:extLst>
                 <a:ext uri="{91240B29-F687-4f45-9708-019B960494DF}">
-                  <a14:hiddenLine xmlns:a14="http://schemas.microsoft.com/office/drawing/2010/main" xmlns="" w="9525">
+                  <a14:hiddenLine xmlns="" xmlns:a14="http://schemas.microsoft.com/office/drawing/2010/main" w="9525">
                     <a:solidFill>
                       <a:srgbClr val="000000"/>
                     </a:solidFill>
@@ -10584,7 +10584,7 @@
               </a:ln>
               <a:extLst>
                 <a:ext uri="{91240B29-F687-4f45-9708-019B960494DF}">
-                  <a14:hiddenLine xmlns:a14="http://schemas.microsoft.com/office/drawing/2010/main" xmlns="" w="9525">
+                  <a14:hiddenLine xmlns="" xmlns:a14="http://schemas.microsoft.com/office/drawing/2010/main" w="9525">
                     <a:solidFill>
                       <a:srgbClr val="000000"/>
                     </a:solidFill>
@@ -10674,7 +10674,7 @@
               </a:ln>
               <a:extLst>
                 <a:ext uri="{91240B29-F687-4f45-9708-019B960494DF}">
-                  <a14:hiddenLine xmlns:a14="http://schemas.microsoft.com/office/drawing/2010/main" xmlns="" w="9525">
+                  <a14:hiddenLine xmlns="" xmlns:a14="http://schemas.microsoft.com/office/drawing/2010/main" w="9525">
                     <a:solidFill>
                       <a:srgbClr val="000000"/>
                     </a:solidFill>
@@ -10736,7 +10736,7 @@
               </a:ln>
               <a:extLst>
                 <a:ext uri="{91240B29-F687-4f45-9708-019B960494DF}">
-                  <a14:hiddenLine xmlns:a14="http://schemas.microsoft.com/office/drawing/2010/main" xmlns="" w="9525">
+                  <a14:hiddenLine xmlns="" xmlns:a14="http://schemas.microsoft.com/office/drawing/2010/main" w="9525">
                     <a:solidFill>
                       <a:srgbClr val="000000"/>
                     </a:solidFill>
@@ -10826,7 +10826,7 @@
               </a:ln>
               <a:extLst>
                 <a:ext uri="{91240B29-F687-4f45-9708-019B960494DF}">
-                  <a14:hiddenLine xmlns:a14="http://schemas.microsoft.com/office/drawing/2010/main" xmlns="" w="9525">
+                  <a14:hiddenLine xmlns="" xmlns:a14="http://schemas.microsoft.com/office/drawing/2010/main" w="9525">
                     <a:solidFill>
                       <a:srgbClr val="000000"/>
                     </a:solidFill>
@@ -10888,7 +10888,7 @@
               </a:ln>
               <a:extLst>
                 <a:ext uri="{91240B29-F687-4f45-9708-019B960494DF}">
-                  <a14:hiddenLine xmlns:a14="http://schemas.microsoft.com/office/drawing/2010/main" xmlns="" w="9525">
+                  <a14:hiddenLine xmlns="" xmlns:a14="http://schemas.microsoft.com/office/drawing/2010/main" w="9525">
                     <a:solidFill>
                       <a:srgbClr val="000000"/>
                     </a:solidFill>
@@ -10950,7 +10950,7 @@
               </a:ln>
               <a:extLst>
                 <a:ext uri="{91240B29-F687-4f45-9708-019B960494DF}">
-                  <a14:hiddenLine xmlns:a14="http://schemas.microsoft.com/office/drawing/2010/main" xmlns="" w="9525">
+                  <a14:hiddenLine xmlns="" xmlns:a14="http://schemas.microsoft.com/office/drawing/2010/main" w="9525">
                     <a:solidFill>
                       <a:srgbClr val="000000"/>
                     </a:solidFill>
@@ -11040,7 +11040,7 @@
               </a:ln>
               <a:extLst>
                 <a:ext uri="{91240B29-F687-4f45-9708-019B960494DF}">
-                  <a14:hiddenLine xmlns:a14="http://schemas.microsoft.com/office/drawing/2010/main" xmlns="" w="9525">
+                  <a14:hiddenLine xmlns="" xmlns:a14="http://schemas.microsoft.com/office/drawing/2010/main" w="9525">
                     <a:solidFill>
                       <a:srgbClr val="000000"/>
                     </a:solidFill>
@@ -11130,7 +11130,7 @@
               </a:ln>
               <a:extLst>
                 <a:ext uri="{91240B29-F687-4f45-9708-019B960494DF}">
-                  <a14:hiddenLine xmlns:a14="http://schemas.microsoft.com/office/drawing/2010/main" xmlns="" w="9525">
+                  <a14:hiddenLine xmlns="" xmlns:a14="http://schemas.microsoft.com/office/drawing/2010/main" w="9525">
                     <a:solidFill>
                       <a:srgbClr val="000000"/>
                     </a:solidFill>
@@ -11192,7 +11192,7 @@
               </a:ln>
               <a:extLst>
                 <a:ext uri="{91240B29-F687-4f45-9708-019B960494DF}">
-                  <a14:hiddenLine xmlns:a14="http://schemas.microsoft.com/office/drawing/2010/main" xmlns="" w="9525">
+                  <a14:hiddenLine xmlns="" xmlns:a14="http://schemas.microsoft.com/office/drawing/2010/main" w="9525">
                     <a:solidFill>
                       <a:srgbClr val="000000"/>
                     </a:solidFill>
@@ -11302,7 +11302,7 @@
               </a:ln>
               <a:extLst>
                 <a:ext uri="{91240B29-F687-4f45-9708-019B960494DF}">
-                  <a14:hiddenLine xmlns:a14="http://schemas.microsoft.com/office/drawing/2010/main" xmlns="" w="9525">
+                  <a14:hiddenLine xmlns="" xmlns:a14="http://schemas.microsoft.com/office/drawing/2010/main" w="9525">
                     <a:solidFill>
                       <a:srgbClr val="000000"/>
                     </a:solidFill>
@@ -11386,7 +11386,7 @@
               </a:ln>
               <a:extLst>
                 <a:ext uri="{91240B29-F687-4f45-9708-019B960494DF}">
-                  <a14:hiddenLine xmlns:a14="http://schemas.microsoft.com/office/drawing/2010/main" xmlns="" w="9525">
+                  <a14:hiddenLine xmlns="" xmlns:a14="http://schemas.microsoft.com/office/drawing/2010/main" w="9525">
                     <a:solidFill>
                       <a:srgbClr val="000000"/>
                     </a:solidFill>
@@ -11448,7 +11448,7 @@
               </a:ln>
               <a:extLst>
                 <a:ext uri="{91240B29-F687-4f45-9708-019B960494DF}">
-                  <a14:hiddenLine xmlns:a14="http://schemas.microsoft.com/office/drawing/2010/main" xmlns="" w="9525">
+                  <a14:hiddenLine xmlns="" xmlns:a14="http://schemas.microsoft.com/office/drawing/2010/main" w="9525">
                     <a:solidFill>
                       <a:srgbClr val="000000"/>
                     </a:solidFill>
@@ -11510,7 +11510,7 @@
               </a:ln>
               <a:extLst>
                 <a:ext uri="{91240B29-F687-4f45-9708-019B960494DF}">
-                  <a14:hiddenLine xmlns:a14="http://schemas.microsoft.com/office/drawing/2010/main" xmlns="" w="9525">
+                  <a14:hiddenLine xmlns="" xmlns:a14="http://schemas.microsoft.com/office/drawing/2010/main" w="9525">
                     <a:solidFill>
                       <a:srgbClr val="000000"/>
                     </a:solidFill>
@@ -11600,7 +11600,7 @@
               </a:ln>
               <a:extLst>
                 <a:ext uri="{91240B29-F687-4f45-9708-019B960494DF}">
-                  <a14:hiddenLine xmlns:a14="http://schemas.microsoft.com/office/drawing/2010/main" xmlns="" w="9525">
+                  <a14:hiddenLine xmlns="" xmlns:a14="http://schemas.microsoft.com/office/drawing/2010/main" w="9525">
                     <a:solidFill>
                       <a:srgbClr val="000000"/>
                     </a:solidFill>
@@ -11634,7 +11634,7 @@
               </a:ln>
               <a:extLst>
                 <a:ext uri="{91240B29-F687-4f45-9708-019B960494DF}">
-                  <a14:hiddenLine xmlns:a14="http://schemas.microsoft.com/office/drawing/2010/main" xmlns="" w="9525">
+                  <a14:hiddenLine xmlns="" xmlns:a14="http://schemas.microsoft.com/office/drawing/2010/main" w="9525">
                     <a:solidFill>
                       <a:srgbClr val="000000"/>
                     </a:solidFill>
@@ -11699,7 +11699,7 @@
               </a:ln>
               <a:extLst>
                 <a:ext uri="{91240B29-F687-4f45-9708-019B960494DF}">
-                  <a14:hiddenLine xmlns:a14="http://schemas.microsoft.com/office/drawing/2010/main" xmlns="" w="9525">
+                  <a14:hiddenLine xmlns="" xmlns:a14="http://schemas.microsoft.com/office/drawing/2010/main" w="9525">
                     <a:solidFill>
                       <a:srgbClr val="000000"/>
                     </a:solidFill>
@@ -11789,7 +11789,7 @@
               </a:ln>
               <a:extLst>
                 <a:ext uri="{91240B29-F687-4f45-9708-019B960494DF}">
-                  <a14:hiddenLine xmlns:a14="http://schemas.microsoft.com/office/drawing/2010/main" xmlns="" w="9525">
+                  <a14:hiddenLine xmlns="" xmlns:a14="http://schemas.microsoft.com/office/drawing/2010/main" w="9525">
                     <a:solidFill>
                       <a:srgbClr val="000000"/>
                     </a:solidFill>
@@ -11851,7 +11851,7 @@
               </a:ln>
               <a:extLst>
                 <a:ext uri="{91240B29-F687-4f45-9708-019B960494DF}">
-                  <a14:hiddenLine xmlns:a14="http://schemas.microsoft.com/office/drawing/2010/main" xmlns="" w="9525">
+                  <a14:hiddenLine xmlns="" xmlns:a14="http://schemas.microsoft.com/office/drawing/2010/main" w="9525">
                     <a:solidFill>
                       <a:srgbClr val="000000"/>
                     </a:solidFill>
@@ -11941,7 +11941,7 @@
               </a:ln>
               <a:extLst>
                 <a:ext uri="{91240B29-F687-4f45-9708-019B960494DF}">
-                  <a14:hiddenLine xmlns:a14="http://schemas.microsoft.com/office/drawing/2010/main" xmlns="" w="9525">
+                  <a14:hiddenLine xmlns="" xmlns:a14="http://schemas.microsoft.com/office/drawing/2010/main" w="9525">
                     <a:solidFill>
                       <a:srgbClr val="000000"/>
                     </a:solidFill>
@@ -12006,7 +12006,7 @@
               </a:ln>
               <a:extLst>
                 <a:ext uri="{91240B29-F687-4f45-9708-019B960494DF}">
-                  <a14:hiddenLine xmlns:a14="http://schemas.microsoft.com/office/drawing/2010/main" xmlns="" w="9525">
+                  <a14:hiddenLine xmlns="" xmlns:a14="http://schemas.microsoft.com/office/drawing/2010/main" w="9525">
                     <a:solidFill>
                       <a:srgbClr val="000000"/>
                     </a:solidFill>
@@ -12068,7 +12068,7 @@
               </a:ln>
               <a:extLst>
                 <a:ext uri="{91240B29-F687-4f45-9708-019B960494DF}">
-                  <a14:hiddenLine xmlns:a14="http://schemas.microsoft.com/office/drawing/2010/main" xmlns="" w="9525">
+                  <a14:hiddenLine xmlns="" xmlns:a14="http://schemas.microsoft.com/office/drawing/2010/main" w="9525">
                     <a:solidFill>
                       <a:srgbClr val="000000"/>
                     </a:solidFill>
@@ -12158,7 +12158,7 @@
               </a:ln>
               <a:extLst>
                 <a:ext uri="{91240B29-F687-4f45-9708-019B960494DF}">
-                  <a14:hiddenLine xmlns:a14="http://schemas.microsoft.com/office/drawing/2010/main" xmlns="" w="9525">
+                  <a14:hiddenLine xmlns="" xmlns:a14="http://schemas.microsoft.com/office/drawing/2010/main" w="9525">
                     <a:solidFill>
                       <a:srgbClr val="000000"/>
                     </a:solidFill>
@@ -12248,7 +12248,7 @@
               </a:ln>
               <a:extLst>
                 <a:ext uri="{91240B29-F687-4f45-9708-019B960494DF}">
-                  <a14:hiddenLine xmlns:a14="http://schemas.microsoft.com/office/drawing/2010/main" xmlns="" w="9525">
+                  <a14:hiddenLine xmlns="" xmlns:a14="http://schemas.microsoft.com/office/drawing/2010/main" w="9525">
                     <a:solidFill>
                       <a:srgbClr val="000000"/>
                     </a:solidFill>
@@ -12313,7 +12313,7 @@
               </a:ln>
               <a:extLst>
                 <a:ext uri="{91240B29-F687-4f45-9708-019B960494DF}">
-                  <a14:hiddenLine xmlns:a14="http://schemas.microsoft.com/office/drawing/2010/main" xmlns="" w="9525">
+                  <a14:hiddenLine xmlns="" xmlns:a14="http://schemas.microsoft.com/office/drawing/2010/main" w="9525">
                     <a:solidFill>
                       <a:srgbClr val="000000"/>
                     </a:solidFill>
@@ -12433,7 +12433,7 @@
               </a:ln>
               <a:extLst>
                 <a:ext uri="{91240B29-F687-4f45-9708-019B960494DF}">
-                  <a14:hiddenLine xmlns:a14="http://schemas.microsoft.com/office/drawing/2010/main" xmlns="" w="9525">
+                  <a14:hiddenLine xmlns="" xmlns:a14="http://schemas.microsoft.com/office/drawing/2010/main" w="9525">
                     <a:solidFill>
                       <a:srgbClr val="000000"/>
                     </a:solidFill>
@@ -12514,7 +12514,7 @@
               </a:ln>
               <a:extLst>
                 <a:ext uri="{91240B29-F687-4f45-9708-019B960494DF}">
-                  <a14:hiddenLine xmlns:a14="http://schemas.microsoft.com/office/drawing/2010/main" xmlns="" w="9525">
+                  <a14:hiddenLine xmlns="" xmlns:a14="http://schemas.microsoft.com/office/drawing/2010/main" w="9525">
                     <a:solidFill>
                       <a:srgbClr val="000000"/>
                     </a:solidFill>
@@ -12629,7 +12629,7 @@
               </a:ln>
               <a:extLst>
                 <a:ext uri="{91240B29-F687-4f45-9708-019B960494DF}">
-                  <a14:hiddenLine xmlns:a14="http://schemas.microsoft.com/office/drawing/2010/main" xmlns="" w="9525">
+                  <a14:hiddenLine xmlns="" xmlns:a14="http://schemas.microsoft.com/office/drawing/2010/main" w="9525">
                     <a:solidFill>
                       <a:srgbClr val="000000"/>
                     </a:solidFill>
@@ -12719,7 +12719,7 @@
               </a:ln>
               <a:extLst>
                 <a:ext uri="{91240B29-F687-4f45-9708-019B960494DF}">
-                  <a14:hiddenLine xmlns:a14="http://schemas.microsoft.com/office/drawing/2010/main" xmlns="" w="9525">
+                  <a14:hiddenLine xmlns="" xmlns:a14="http://schemas.microsoft.com/office/drawing/2010/main" w="9525">
                     <a:solidFill>
                       <a:srgbClr val="000000"/>
                     </a:solidFill>
@@ -12784,7 +12784,7 @@
               </a:ln>
               <a:extLst>
                 <a:ext uri="{91240B29-F687-4f45-9708-019B960494DF}">
-                  <a14:hiddenLine xmlns:a14="http://schemas.microsoft.com/office/drawing/2010/main" xmlns="" w="9525">
+                  <a14:hiddenLine xmlns="" xmlns:a14="http://schemas.microsoft.com/office/drawing/2010/main" w="9525">
                     <a:solidFill>
                       <a:srgbClr val="000000"/>
                     </a:solidFill>
@@ -12874,7 +12874,7 @@
               </a:ln>
               <a:extLst>
                 <a:ext uri="{91240B29-F687-4f45-9708-019B960494DF}">
-                  <a14:hiddenLine xmlns:a14="http://schemas.microsoft.com/office/drawing/2010/main" xmlns="" w="9525">
+                  <a14:hiddenLine xmlns="" xmlns:a14="http://schemas.microsoft.com/office/drawing/2010/main" w="9525">
                     <a:solidFill>
                       <a:srgbClr val="000000"/>
                     </a:solidFill>
@@ -12942,7 +12942,7 @@
               </a:ln>
               <a:extLst>
                 <a:ext uri="{91240B29-F687-4f45-9708-019B960494DF}">
-                  <a14:hiddenLine xmlns:a14="http://schemas.microsoft.com/office/drawing/2010/main" xmlns="" w="9525">
+                  <a14:hiddenLine xmlns="" xmlns:a14="http://schemas.microsoft.com/office/drawing/2010/main" w="9525">
                     <a:solidFill>
                       <a:srgbClr val="000000"/>
                     </a:solidFill>
@@ -13032,7 +13032,7 @@
               </a:ln>
               <a:extLst>
                 <a:ext uri="{91240B29-F687-4f45-9708-019B960494DF}">
-                  <a14:hiddenLine xmlns:a14="http://schemas.microsoft.com/office/drawing/2010/main" xmlns="" w="9525">
+                  <a14:hiddenLine xmlns="" xmlns:a14="http://schemas.microsoft.com/office/drawing/2010/main" w="9525">
                     <a:solidFill>
                       <a:srgbClr val="000000"/>
                     </a:solidFill>
@@ -13100,7 +13100,7 @@
               </a:ln>
               <a:extLst>
                 <a:ext uri="{91240B29-F687-4f45-9708-019B960494DF}">
-                  <a14:hiddenLine xmlns:a14="http://schemas.microsoft.com/office/drawing/2010/main" xmlns="" w="9525">
+                  <a14:hiddenLine xmlns="" xmlns:a14="http://schemas.microsoft.com/office/drawing/2010/main" w="9525">
                     <a:solidFill>
                       <a:srgbClr val="000000"/>
                     </a:solidFill>
@@ -13190,7 +13190,7 @@
               </a:ln>
               <a:extLst>
                 <a:ext uri="{91240B29-F687-4f45-9708-019B960494DF}">
-                  <a14:hiddenLine xmlns:a14="http://schemas.microsoft.com/office/drawing/2010/main" xmlns="" w="9525">
+                  <a14:hiddenLine xmlns="" xmlns:a14="http://schemas.microsoft.com/office/drawing/2010/main" w="9525">
                     <a:solidFill>
                       <a:srgbClr val="000000"/>
                     </a:solidFill>
@@ -13224,7 +13224,7 @@
               </a:ln>
               <a:extLst>
                 <a:ext uri="{91240B29-F687-4f45-9708-019B960494DF}">
-                  <a14:hiddenLine xmlns:a14="http://schemas.microsoft.com/office/drawing/2010/main" xmlns="" w="9525">
+                  <a14:hiddenLine xmlns="" xmlns:a14="http://schemas.microsoft.com/office/drawing/2010/main" w="9525">
                     <a:solidFill>
                       <a:srgbClr val="000000"/>
                     </a:solidFill>
@@ -13365,7 +13365,7 @@
             <a:pPr rtl="0"/>
             <a:fld id="{9638E856-17B3-4016-83AA-035F0EADC1E6}" type="datetime1">
               <a:rPr lang="ru-RU" noProof="0" smtClean="0"/>
-              <a:t>04.09.2023</a:t>
+              <a:t>07.09.2023</a:t>
             </a:fld>
             <a:endParaRPr lang="ru-RU" noProof="0" dirty="0"/>
           </a:p>
@@ -17418,10 +17418,10 @@
       </p:sp>
       <p:pic>
         <p:nvPicPr>
-          <p:cNvPr id="27" name="Рисунок 26">
+          <p:cNvPr id="5" name="Рисунок 4">
             <a:extLst>
               <a:ext uri="{FF2B5EF4-FFF2-40B4-BE49-F238E27FC236}">
-                <a16:creationId xmlns:a16="http://schemas.microsoft.com/office/drawing/2014/main" id="{2FC5521A-C8B7-4C92-800B-7521B590DC07}"/>
+                <a16:creationId xmlns:a16="http://schemas.microsoft.com/office/drawing/2014/main" id="{462E604D-26C7-4A92-BB2B-749AE181F373}"/>
               </a:ext>
             </a:extLst>
           </p:cNvPr>
@@ -17438,8 +17438,8 @@
         </p:blipFill>
         <p:spPr>
           <a:xfrm>
-            <a:off x="1331911" y="1907724"/>
-            <a:ext cx="9525000" cy="3883478"/>
+            <a:off x="891644" y="1763137"/>
+            <a:ext cx="10405533" cy="4722314"/>
           </a:xfrm>
           <a:prstGeom prst="rect">
             <a:avLst/>
